--- a/IntroToGit.pptx
+++ b/IntroToGit.pptx
@@ -3745,8 +3745,59 @@
             </a:r>
             <a:r>
               <a:rPr lang="en-US" dirty="0" smtClean="0"/>
-              <a:t> directory</a:t>
-            </a:r>
+              <a:t> </a:t>
+            </a:r>
+            <a:r>
+              <a:rPr lang="en-US" dirty="0" smtClean="0"/>
+              <a:t>directory</a:t>
+            </a:r>
+          </a:p>
+          <a:p>
+            <a:r>
+              <a:rPr lang="en-US" dirty="0" smtClean="0"/>
+              <a:t>.</a:t>
+            </a:r>
+            <a:r>
+              <a:rPr lang="en-US" dirty="0" err="1" smtClean="0"/>
+              <a:t>gitconfig</a:t>
+            </a:r>
+            <a:r>
+              <a:rPr lang="en-US" dirty="0" smtClean="0"/>
+              <a:t> is used to store all user information and main configuration</a:t>
+            </a:r>
+          </a:p>
+          <a:p>
+            <a:pPr lvl="1"/>
+            <a:r>
+              <a:rPr lang="en-US" dirty="0" smtClean="0"/>
+              <a:t>Editor</a:t>
+            </a:r>
+          </a:p>
+          <a:p>
+            <a:pPr lvl="1"/>
+            <a:r>
+              <a:rPr lang="en-US" dirty="0" smtClean="0"/>
+              <a:t>Merge tool</a:t>
+            </a:r>
+          </a:p>
+          <a:p>
+            <a:r>
+              <a:rPr lang="en-US" dirty="0" smtClean="0"/>
+              <a:t>.</a:t>
+            </a:r>
+            <a:r>
+              <a:rPr lang="en-US" dirty="0" err="1" smtClean="0"/>
+              <a:t>gitignore</a:t>
+            </a:r>
+            <a:r>
+              <a:rPr lang="en-US" dirty="0" smtClean="0"/>
+              <a:t> contains data that will be not tracked by </a:t>
+            </a:r>
+            <a:r>
+              <a:rPr lang="en-US" dirty="0" err="1" smtClean="0"/>
+              <a:t>git</a:t>
+            </a:r>
+            <a:endParaRPr lang="en-US" dirty="0" smtClean="0"/>
           </a:p>
           <a:p>
             <a:endParaRPr lang="en-US" dirty="0" smtClean="0"/>
@@ -3763,6 +3814,13 @@
   <p:clrMapOvr>
     <a:masterClrMapping/>
   </p:clrMapOvr>
+  <p:timing>
+    <p:tnLst>
+      <p:par>
+        <p:cTn xmlns:p14="http://schemas.microsoft.com/office/powerpoint/2010/main" id="1" dur="indefinite" restart="never" nodeType="tmRoot"/>
+      </p:par>
+    </p:tnLst>
+  </p:timing>
 </p:sld>
 </file>
 
@@ -3833,7 +3891,7 @@
           <a:p>
             <a:r>
               <a:rPr lang="en-US" dirty="0" smtClean="0"/>
-              <a:t>Check remote team CI server to ensure that all tests are green</a:t>
+              <a:t>Check the remote CI server to ensure that all tests are green</a:t>
             </a:r>
           </a:p>
           <a:p>
@@ -3884,6 +3942,13 @@
   <p:clrMapOvr>
     <a:masterClrMapping/>
   </p:clrMapOvr>
+  <p:timing>
+    <p:tnLst>
+      <p:par>
+        <p:cTn xmlns:p14="http://schemas.microsoft.com/office/powerpoint/2010/main" id="1" dur="indefinite" restart="never" nodeType="tmRoot"/>
+      </p:par>
+    </p:tnLst>
+  </p:timing>
 </p:sld>
 </file>
 
